--- a/docs/Sprint reviews/Sprint 1/Sprint 1.pptx
+++ b/docs/Sprint reviews/Sprint 1/Sprint 1.pptx
@@ -13,7 +13,7 @@
     <p:sldId id="260" r:id="rId7"/>
     <p:sldId id="261" r:id="rId8"/>
     <p:sldId id="262" r:id="rId9"/>
-    <p:sldId id="263" r:id="rId10"/>
+    <p:sldId id="267" r:id="rId10"/>
     <p:sldId id="266" r:id="rId11"/>
     <p:sldId id="265" r:id="rId12"/>
   </p:sldIdLst>
@@ -114,6 +114,11 @@
       </a:defRPr>
     </a:lvl9pPr>
   </p:defaultTextStyle>
+  <p:extLst>
+    <p:ext uri="{EFAFB233-063F-42B5-8137-9DF3F51BA10A}">
+      <p15:sldGuideLst xmlns:p15="http://schemas.microsoft.com/office/powerpoint/2012/main"/>
+    </p:ext>
+  </p:extLst>
 </p:presentation>
 </file>
 
@@ -23661,35 +23666,1146 @@
           </a:p>
         </p:txBody>
       </p:sp>
-      <p:sp>
-        <p:nvSpPr>
-          <p:cNvPr id="3" name="Content Placeholder 2">
+      <p:graphicFrame>
+        <p:nvGraphicFramePr>
+          <p:cNvPr id="4" name="Content Placeholder 3">
             <a:extLst>
               <a:ext uri="{FF2B5EF4-FFF2-40B4-BE49-F238E27FC236}">
-                <a16:creationId xmlns:a16="http://schemas.microsoft.com/office/drawing/2014/main" id="{090BDCFA-716F-43A2-9190-AE523E4FD447}"/>
+                <a16:creationId xmlns:a16="http://schemas.microsoft.com/office/drawing/2014/main" id="{F3107E42-409E-4771-9B12-CA898A6F37DC}"/>
               </a:ext>
             </a:extLst>
           </p:cNvPr>
-          <p:cNvSpPr>
-            <a:spLocks noGrp="1"/>
-          </p:cNvSpPr>
+          <p:cNvGraphicFramePr>
+            <a:graphicFrameLocks noGrp="1"/>
+          </p:cNvGraphicFramePr>
           <p:nvPr>
             <p:ph idx="1"/>
+            <p:extLst>
+              <p:ext uri="{D42A27DB-BD31-4B8C-83A1-F6EECF244321}">
+                <p14:modId xmlns:p14="http://schemas.microsoft.com/office/powerpoint/2010/main" val="4196377707"/>
+              </p:ext>
+            </p:extLst>
           </p:nvPr>
-        </p:nvSpPr>
-        <p:spPr/>
-        <p:txBody>
-          <a:bodyPr/>
-          <a:lstStyle/>
-          <a:p>
-            <a:endParaRPr lang="en-GB"/>
-          </a:p>
-        </p:txBody>
-      </p:sp>
+        </p:nvGraphicFramePr>
+        <p:xfrm>
+          <a:off x="1155697" y="2724944"/>
+          <a:ext cx="10077161" cy="3751357"/>
+        </p:xfrm>
+        <a:graphic>
+          <a:graphicData uri="http://schemas.openxmlformats.org/drawingml/2006/table">
+            <a:tbl>
+              <a:tblPr firstRow="1" firstCol="1" bandRow="1">
+                <a:tableStyleId>{5C22544A-7EE6-4342-B048-85BDC9FD1C3A}</a:tableStyleId>
+              </a:tblPr>
+              <a:tblGrid>
+                <a:gridCol w="713811">
+                  <a:extLst>
+                    <a:ext uri="{9D8B030D-6E8A-4147-A177-3AD203B41FA5}">
+                      <a16:colId xmlns:a16="http://schemas.microsoft.com/office/drawing/2014/main" val="2405986206"/>
+                    </a:ext>
+                  </a:extLst>
+                </a:gridCol>
+                <a:gridCol w="3174579">
+                  <a:extLst>
+                    <a:ext uri="{9D8B030D-6E8A-4147-A177-3AD203B41FA5}">
+                      <a16:colId xmlns:a16="http://schemas.microsoft.com/office/drawing/2014/main" val="2838489733"/>
+                    </a:ext>
+                  </a:extLst>
+                </a:gridCol>
+                <a:gridCol w="2157327">
+                  <a:extLst>
+                    <a:ext uri="{9D8B030D-6E8A-4147-A177-3AD203B41FA5}">
+                      <a16:colId xmlns:a16="http://schemas.microsoft.com/office/drawing/2014/main" val="1121953716"/>
+                    </a:ext>
+                  </a:extLst>
+                </a:gridCol>
+                <a:gridCol w="2015722">
+                  <a:extLst>
+                    <a:ext uri="{9D8B030D-6E8A-4147-A177-3AD203B41FA5}">
+                      <a16:colId xmlns:a16="http://schemas.microsoft.com/office/drawing/2014/main" val="4120740928"/>
+                    </a:ext>
+                  </a:extLst>
+                </a:gridCol>
+                <a:gridCol w="2015722">
+                  <a:extLst>
+                    <a:ext uri="{9D8B030D-6E8A-4147-A177-3AD203B41FA5}">
+                      <a16:colId xmlns:a16="http://schemas.microsoft.com/office/drawing/2014/main" val="3487923081"/>
+                    </a:ext>
+                  </a:extLst>
+                </a:gridCol>
+              </a:tblGrid>
+              <a:tr h="157074">
+                <a:tc>
+                  <a:txBody>
+                    <a:bodyPr/>
+                    <a:lstStyle/>
+                    <a:p>
+                      <a:pPr>
+                        <a:lnSpc>
+                          <a:spcPct val="107000"/>
+                        </a:lnSpc>
+                        <a:spcAft>
+                          <a:spcPts val="0"/>
+                        </a:spcAft>
+                      </a:pPr>
+                      <a:r>
+                        <a:rPr lang="en-US" sz="1000" u="sng">
+                          <a:effectLst/>
+                        </a:rPr>
+                        <a:t>ID</a:t>
+                      </a:r>
+                      <a:endParaRPr lang="en-GB" sz="1000">
+                        <a:effectLst/>
+                        <a:latin typeface="Calibri" panose="020F0502020204030204" pitchFamily="34" charset="0"/>
+                        <a:ea typeface="Calibri" panose="020F0502020204030204" pitchFamily="34" charset="0"/>
+                        <a:cs typeface="Times New Roman" panose="02020603050405020304" pitchFamily="18" charset="0"/>
+                      </a:endParaRPr>
+                    </a:p>
+                  </a:txBody>
+                  <a:tcPr marL="67840" marR="67840" marT="0" marB="0"/>
+                </a:tc>
+                <a:tc>
+                  <a:txBody>
+                    <a:bodyPr/>
+                    <a:lstStyle/>
+                    <a:p>
+                      <a:pPr>
+                        <a:lnSpc>
+                          <a:spcPct val="107000"/>
+                        </a:lnSpc>
+                        <a:spcAft>
+                          <a:spcPts val="0"/>
+                        </a:spcAft>
+                      </a:pPr>
+                      <a:r>
+                        <a:rPr lang="en-US" sz="1000" u="sng">
+                          <a:effectLst/>
+                        </a:rPr>
+                        <a:t>Input</a:t>
+                      </a:r>
+                      <a:endParaRPr lang="en-GB" sz="1000">
+                        <a:effectLst/>
+                        <a:latin typeface="Calibri" panose="020F0502020204030204" pitchFamily="34" charset="0"/>
+                        <a:ea typeface="Calibri" panose="020F0502020204030204" pitchFamily="34" charset="0"/>
+                        <a:cs typeface="Times New Roman" panose="02020603050405020304" pitchFamily="18" charset="0"/>
+                      </a:endParaRPr>
+                    </a:p>
+                  </a:txBody>
+                  <a:tcPr marL="67840" marR="67840" marT="0" marB="0"/>
+                </a:tc>
+                <a:tc>
+                  <a:txBody>
+                    <a:bodyPr/>
+                    <a:lstStyle/>
+                    <a:p>
+                      <a:pPr>
+                        <a:lnSpc>
+                          <a:spcPct val="107000"/>
+                        </a:lnSpc>
+                        <a:spcAft>
+                          <a:spcPts val="0"/>
+                        </a:spcAft>
+                      </a:pPr>
+                      <a:r>
+                        <a:rPr lang="en-US" sz="1000" u="sng">
+                          <a:effectLst/>
+                        </a:rPr>
+                        <a:t>Expected Result</a:t>
+                      </a:r>
+                      <a:endParaRPr lang="en-GB" sz="1000">
+                        <a:effectLst/>
+                        <a:latin typeface="Calibri" panose="020F0502020204030204" pitchFamily="34" charset="0"/>
+                        <a:ea typeface="Calibri" panose="020F0502020204030204" pitchFamily="34" charset="0"/>
+                        <a:cs typeface="Times New Roman" panose="02020603050405020304" pitchFamily="18" charset="0"/>
+                      </a:endParaRPr>
+                    </a:p>
+                  </a:txBody>
+                  <a:tcPr marL="67840" marR="67840" marT="0" marB="0"/>
+                </a:tc>
+                <a:tc>
+                  <a:txBody>
+                    <a:bodyPr/>
+                    <a:lstStyle/>
+                    <a:p>
+                      <a:pPr>
+                        <a:lnSpc>
+                          <a:spcPct val="107000"/>
+                        </a:lnSpc>
+                        <a:spcAft>
+                          <a:spcPts val="0"/>
+                        </a:spcAft>
+                      </a:pPr>
+                      <a:r>
+                        <a:rPr lang="en-US" sz="1000" u="sng">
+                          <a:effectLst/>
+                        </a:rPr>
+                        <a:t>Actual Result</a:t>
+                      </a:r>
+                      <a:endParaRPr lang="en-GB" sz="1000">
+                        <a:effectLst/>
+                        <a:latin typeface="Calibri" panose="020F0502020204030204" pitchFamily="34" charset="0"/>
+                        <a:ea typeface="Calibri" panose="020F0502020204030204" pitchFamily="34" charset="0"/>
+                        <a:cs typeface="Times New Roman" panose="02020603050405020304" pitchFamily="18" charset="0"/>
+                      </a:endParaRPr>
+                    </a:p>
+                  </a:txBody>
+                  <a:tcPr marL="67840" marR="67840" marT="0" marB="0"/>
+                </a:tc>
+                <a:tc>
+                  <a:txBody>
+                    <a:bodyPr/>
+                    <a:lstStyle/>
+                    <a:p>
+                      <a:pPr>
+                        <a:lnSpc>
+                          <a:spcPct val="107000"/>
+                        </a:lnSpc>
+                        <a:spcAft>
+                          <a:spcPts val="0"/>
+                        </a:spcAft>
+                      </a:pPr>
+                      <a:r>
+                        <a:rPr lang="en-US" sz="1000" u="sng">
+                          <a:effectLst/>
+                        </a:rPr>
+                        <a:t>Notes</a:t>
+                      </a:r>
+                      <a:endParaRPr lang="en-GB" sz="1000">
+                        <a:effectLst/>
+                        <a:latin typeface="Calibri" panose="020F0502020204030204" pitchFamily="34" charset="0"/>
+                        <a:ea typeface="Calibri" panose="020F0502020204030204" pitchFamily="34" charset="0"/>
+                        <a:cs typeface="Times New Roman" panose="02020603050405020304" pitchFamily="18" charset="0"/>
+                      </a:endParaRPr>
+                    </a:p>
+                  </a:txBody>
+                  <a:tcPr marL="67840" marR="67840" marT="0" marB="0"/>
+                </a:tc>
+                <a:extLst>
+                  <a:ext uri="{0D108BD9-81ED-4DB2-BD59-A6C34878D82A}">
+                    <a16:rowId xmlns:a16="http://schemas.microsoft.com/office/drawing/2014/main" val="22505008"/>
+                  </a:ext>
+                </a:extLst>
+              </a:tr>
+              <a:tr h="322888">
+                <a:tc>
+                  <a:txBody>
+                    <a:bodyPr/>
+                    <a:lstStyle/>
+                    <a:p>
+                      <a:pPr>
+                        <a:lnSpc>
+                          <a:spcPct val="107000"/>
+                        </a:lnSpc>
+                        <a:spcAft>
+                          <a:spcPts val="0"/>
+                        </a:spcAft>
+                      </a:pPr>
+                      <a:r>
+                        <a:rPr lang="en-US" sz="1000">
+                          <a:effectLst/>
+                        </a:rPr>
+                        <a:t>Admin1</a:t>
+                      </a:r>
+                      <a:endParaRPr lang="en-GB" sz="1000">
+                        <a:effectLst/>
+                        <a:latin typeface="Calibri" panose="020F0502020204030204" pitchFamily="34" charset="0"/>
+                        <a:ea typeface="Calibri" panose="020F0502020204030204" pitchFamily="34" charset="0"/>
+                        <a:cs typeface="Times New Roman" panose="02020603050405020304" pitchFamily="18" charset="0"/>
+                      </a:endParaRPr>
+                    </a:p>
+                  </a:txBody>
+                  <a:tcPr marL="67840" marR="67840" marT="0" marB="0"/>
+                </a:tc>
+                <a:tc>
+                  <a:txBody>
+                    <a:bodyPr/>
+                    <a:lstStyle/>
+                    <a:p>
+                      <a:pPr>
+                        <a:lnSpc>
+                          <a:spcPct val="107000"/>
+                        </a:lnSpc>
+                        <a:spcAft>
+                          <a:spcPts val="0"/>
+                        </a:spcAft>
+                      </a:pPr>
+                      <a:r>
+                        <a:rPr lang="en-US" sz="1000" dirty="0">
+                          <a:effectLst/>
+                        </a:rPr>
+                        <a:t>User: Admin, Pass: password</a:t>
+                      </a:r>
+                      <a:endParaRPr lang="en-GB" sz="1000" dirty="0">
+                        <a:effectLst/>
+                        <a:latin typeface="Calibri" panose="020F0502020204030204" pitchFamily="34" charset="0"/>
+                        <a:ea typeface="Calibri" panose="020F0502020204030204" pitchFamily="34" charset="0"/>
+                        <a:cs typeface="Times New Roman" panose="02020603050405020304" pitchFamily="18" charset="0"/>
+                      </a:endParaRPr>
+                    </a:p>
+                  </a:txBody>
+                  <a:tcPr marL="67840" marR="67840" marT="0" marB="0"/>
+                </a:tc>
+                <a:tc>
+                  <a:txBody>
+                    <a:bodyPr/>
+                    <a:lstStyle/>
+                    <a:p>
+                      <a:pPr>
+                        <a:lnSpc>
+                          <a:spcPct val="107000"/>
+                        </a:lnSpc>
+                        <a:spcAft>
+                          <a:spcPts val="0"/>
+                        </a:spcAft>
+                      </a:pPr>
+                      <a:r>
+                        <a:rPr lang="en-US" sz="1000">
+                          <a:effectLst/>
+                        </a:rPr>
+                        <a:t>Redirect to invalidLogin.jsp</a:t>
+                      </a:r>
+                      <a:endParaRPr lang="en-GB" sz="1000">
+                        <a:effectLst/>
+                        <a:latin typeface="Calibri" panose="020F0502020204030204" pitchFamily="34" charset="0"/>
+                        <a:ea typeface="Calibri" panose="020F0502020204030204" pitchFamily="34" charset="0"/>
+                        <a:cs typeface="Times New Roman" panose="02020603050405020304" pitchFamily="18" charset="0"/>
+                      </a:endParaRPr>
+                    </a:p>
+                  </a:txBody>
+                  <a:tcPr marL="67840" marR="67840" marT="0" marB="0"/>
+                </a:tc>
+                <a:tc>
+                  <a:txBody>
+                    <a:bodyPr/>
+                    <a:lstStyle/>
+                    <a:p>
+                      <a:pPr>
+                        <a:lnSpc>
+                          <a:spcPct val="107000"/>
+                        </a:lnSpc>
+                        <a:spcAft>
+                          <a:spcPts val="0"/>
+                        </a:spcAft>
+                      </a:pPr>
+                      <a:r>
+                        <a:rPr lang="en-US" sz="1000">
+                          <a:effectLst/>
+                        </a:rPr>
+                        <a:t>Redirect to invalidLogin.jsp</a:t>
+                      </a:r>
+                      <a:endParaRPr lang="en-GB" sz="1000">
+                        <a:effectLst/>
+                        <a:latin typeface="Calibri" panose="020F0502020204030204" pitchFamily="34" charset="0"/>
+                        <a:ea typeface="Calibri" panose="020F0502020204030204" pitchFamily="34" charset="0"/>
+                        <a:cs typeface="Times New Roman" panose="02020603050405020304" pitchFamily="18" charset="0"/>
+                      </a:endParaRPr>
+                    </a:p>
+                  </a:txBody>
+                  <a:tcPr marL="67840" marR="67840" marT="0" marB="0"/>
+                </a:tc>
+                <a:tc>
+                  <a:txBody>
+                    <a:bodyPr/>
+                    <a:lstStyle/>
+                    <a:p>
+                      <a:pPr>
+                        <a:lnSpc>
+                          <a:spcPct val="107000"/>
+                        </a:lnSpc>
+                        <a:spcAft>
+                          <a:spcPts val="0"/>
+                        </a:spcAft>
+                      </a:pPr>
+                      <a:r>
+                        <a:rPr lang="en-US" sz="1000">
+                          <a:effectLst/>
+                        </a:rPr>
+                        <a:t>Form correctly checks for inputs.</a:t>
+                      </a:r>
+                      <a:endParaRPr lang="en-GB" sz="1000">
+                        <a:effectLst/>
+                        <a:latin typeface="Calibri" panose="020F0502020204030204" pitchFamily="34" charset="0"/>
+                        <a:ea typeface="Calibri" panose="020F0502020204030204" pitchFamily="34" charset="0"/>
+                        <a:cs typeface="Times New Roman" panose="02020603050405020304" pitchFamily="18" charset="0"/>
+                      </a:endParaRPr>
+                    </a:p>
+                  </a:txBody>
+                  <a:tcPr marL="67840" marR="67840" marT="0" marB="0"/>
+                </a:tc>
+                <a:extLst>
+                  <a:ext uri="{0D108BD9-81ED-4DB2-BD59-A6C34878D82A}">
+                    <a16:rowId xmlns:a16="http://schemas.microsoft.com/office/drawing/2014/main" val="2328345379"/>
+                  </a:ext>
+                </a:extLst>
+              </a:tr>
+              <a:tr h="654279">
+                <a:tc>
+                  <a:txBody>
+                    <a:bodyPr/>
+                    <a:lstStyle/>
+                    <a:p>
+                      <a:pPr>
+                        <a:lnSpc>
+                          <a:spcPct val="107000"/>
+                        </a:lnSpc>
+                        <a:spcAft>
+                          <a:spcPts val="0"/>
+                        </a:spcAft>
+                      </a:pPr>
+                      <a:r>
+                        <a:rPr lang="en-US" sz="1000">
+                          <a:effectLst/>
+                        </a:rPr>
+                        <a:t>Admin2</a:t>
+                      </a:r>
+                      <a:endParaRPr lang="en-GB" sz="1000">
+                        <a:effectLst/>
+                        <a:latin typeface="Calibri" panose="020F0502020204030204" pitchFamily="34" charset="0"/>
+                        <a:ea typeface="Calibri" panose="020F0502020204030204" pitchFamily="34" charset="0"/>
+                        <a:cs typeface="Times New Roman" panose="02020603050405020304" pitchFamily="18" charset="0"/>
+                      </a:endParaRPr>
+                    </a:p>
+                  </a:txBody>
+                  <a:tcPr marL="67840" marR="67840" marT="0" marB="0"/>
+                </a:tc>
+                <a:tc>
+                  <a:txBody>
+                    <a:bodyPr/>
+                    <a:lstStyle/>
+                    <a:p>
+                      <a:pPr>
+                        <a:lnSpc>
+                          <a:spcPct val="107000"/>
+                        </a:lnSpc>
+                        <a:spcAft>
+                          <a:spcPts val="0"/>
+                        </a:spcAft>
+                      </a:pPr>
+                      <a:r>
+                        <a:rPr lang="en-US" sz="1000">
+                          <a:effectLst/>
+                        </a:rPr>
+                        <a:t>User: gqrekovsky16@yopmail.com, Pass: a123</a:t>
+                      </a:r>
+                      <a:endParaRPr lang="en-GB" sz="1000">
+                        <a:effectLst/>
+                        <a:latin typeface="Calibri" panose="020F0502020204030204" pitchFamily="34" charset="0"/>
+                        <a:ea typeface="Calibri" panose="020F0502020204030204" pitchFamily="34" charset="0"/>
+                        <a:cs typeface="Times New Roman" panose="02020603050405020304" pitchFamily="18" charset="0"/>
+                      </a:endParaRPr>
+                    </a:p>
+                  </a:txBody>
+                  <a:tcPr marL="67840" marR="67840" marT="0" marB="0"/>
+                </a:tc>
+                <a:tc>
+                  <a:txBody>
+                    <a:bodyPr/>
+                    <a:lstStyle/>
+                    <a:p>
+                      <a:pPr>
+                        <a:lnSpc>
+                          <a:spcPct val="107000"/>
+                        </a:lnSpc>
+                        <a:spcAft>
+                          <a:spcPts val="0"/>
+                        </a:spcAft>
+                      </a:pPr>
+                      <a:r>
+                        <a:rPr lang="en-US" sz="1000">
+                          <a:effectLst/>
+                        </a:rPr>
+                        <a:t>Redirect to userLogged.jsp with “Welcome Mathias Sibman” header.</a:t>
+                      </a:r>
+                      <a:endParaRPr lang="en-GB" sz="1000">
+                        <a:effectLst/>
+                        <a:latin typeface="Calibri" panose="020F0502020204030204" pitchFamily="34" charset="0"/>
+                        <a:ea typeface="Calibri" panose="020F0502020204030204" pitchFamily="34" charset="0"/>
+                        <a:cs typeface="Times New Roman" panose="02020603050405020304" pitchFamily="18" charset="0"/>
+                      </a:endParaRPr>
+                    </a:p>
+                  </a:txBody>
+                  <a:tcPr marL="67840" marR="67840" marT="0" marB="0"/>
+                </a:tc>
+                <a:tc>
+                  <a:txBody>
+                    <a:bodyPr/>
+                    <a:lstStyle/>
+                    <a:p>
+                      <a:pPr>
+                        <a:lnSpc>
+                          <a:spcPct val="107000"/>
+                        </a:lnSpc>
+                        <a:spcAft>
+                          <a:spcPts val="0"/>
+                        </a:spcAft>
+                      </a:pPr>
+                      <a:r>
+                        <a:rPr lang="en-US" sz="1000">
+                          <a:effectLst/>
+                        </a:rPr>
+                        <a:t>Redirect to userLogged.jsp with “Welcome Mathias Sibman” header.</a:t>
+                      </a:r>
+                      <a:endParaRPr lang="en-GB" sz="1000">
+                        <a:effectLst/>
+                        <a:latin typeface="Calibri" panose="020F0502020204030204" pitchFamily="34" charset="0"/>
+                        <a:ea typeface="Calibri" panose="020F0502020204030204" pitchFamily="34" charset="0"/>
+                        <a:cs typeface="Times New Roman" panose="02020603050405020304" pitchFamily="18" charset="0"/>
+                      </a:endParaRPr>
+                    </a:p>
+                  </a:txBody>
+                  <a:tcPr marL="67840" marR="67840" marT="0" marB="0"/>
+                </a:tc>
+                <a:tc>
+                  <a:txBody>
+                    <a:bodyPr/>
+                    <a:lstStyle/>
+                    <a:p>
+                      <a:pPr>
+                        <a:lnSpc>
+                          <a:spcPct val="107000"/>
+                        </a:lnSpc>
+                        <a:spcAft>
+                          <a:spcPts val="0"/>
+                        </a:spcAft>
+                      </a:pPr>
+                      <a:r>
+                        <a:rPr lang="en-US" sz="1000">
+                          <a:effectLst/>
+                        </a:rPr>
+                        <a:t>Admin user 1 works correctly.</a:t>
+                      </a:r>
+                      <a:endParaRPr lang="en-GB" sz="1000">
+                        <a:effectLst/>
+                        <a:latin typeface="Calibri" panose="020F0502020204030204" pitchFamily="34" charset="0"/>
+                        <a:ea typeface="Calibri" panose="020F0502020204030204" pitchFamily="34" charset="0"/>
+                        <a:cs typeface="Times New Roman" panose="02020603050405020304" pitchFamily="18" charset="0"/>
+                      </a:endParaRPr>
+                    </a:p>
+                  </a:txBody>
+                  <a:tcPr marL="67840" marR="67840" marT="0" marB="0"/>
+                </a:tc>
+                <a:extLst>
+                  <a:ext uri="{0D108BD9-81ED-4DB2-BD59-A6C34878D82A}">
+                    <a16:rowId xmlns:a16="http://schemas.microsoft.com/office/drawing/2014/main" val="244537201"/>
+                  </a:ext>
+                </a:extLst>
+              </a:tr>
+              <a:tr h="488583">
+                <a:tc>
+                  <a:txBody>
+                    <a:bodyPr/>
+                    <a:lstStyle/>
+                    <a:p>
+                      <a:pPr>
+                        <a:lnSpc>
+                          <a:spcPct val="107000"/>
+                        </a:lnSpc>
+                        <a:spcAft>
+                          <a:spcPts val="0"/>
+                        </a:spcAft>
+                      </a:pPr>
+                      <a:r>
+                        <a:rPr lang="en-US" sz="1000">
+                          <a:effectLst/>
+                        </a:rPr>
+                        <a:t>Admin3</a:t>
+                      </a:r>
+                      <a:endParaRPr lang="en-GB" sz="1000">
+                        <a:effectLst/>
+                        <a:latin typeface="Calibri" panose="020F0502020204030204" pitchFamily="34" charset="0"/>
+                        <a:ea typeface="Calibri" panose="020F0502020204030204" pitchFamily="34" charset="0"/>
+                        <a:cs typeface="Times New Roman" panose="02020603050405020304" pitchFamily="18" charset="0"/>
+                      </a:endParaRPr>
+                    </a:p>
+                  </a:txBody>
+                  <a:tcPr marL="67840" marR="67840" marT="0" marB="0"/>
+                </a:tc>
+                <a:tc>
+                  <a:txBody>
+                    <a:bodyPr/>
+                    <a:lstStyle/>
+                    <a:p>
+                      <a:pPr>
+                        <a:lnSpc>
+                          <a:spcPct val="107000"/>
+                        </a:lnSpc>
+                        <a:spcAft>
+                          <a:spcPts val="0"/>
+                        </a:spcAft>
+                      </a:pPr>
+                      <a:r>
+                        <a:rPr lang="en-US" sz="1000">
+                          <a:effectLst/>
+                        </a:rPr>
+                        <a:t>User: gqrekovsky16@yopmail.com, Pass: A123</a:t>
+                      </a:r>
+                      <a:endParaRPr lang="en-GB" sz="1000">
+                        <a:effectLst/>
+                        <a:latin typeface="Calibri" panose="020F0502020204030204" pitchFamily="34" charset="0"/>
+                        <a:ea typeface="Calibri" panose="020F0502020204030204" pitchFamily="34" charset="0"/>
+                        <a:cs typeface="Times New Roman" panose="02020603050405020304" pitchFamily="18" charset="0"/>
+                      </a:endParaRPr>
+                    </a:p>
+                  </a:txBody>
+                  <a:tcPr marL="67840" marR="67840" marT="0" marB="0"/>
+                </a:tc>
+                <a:tc>
+                  <a:txBody>
+                    <a:bodyPr/>
+                    <a:lstStyle/>
+                    <a:p>
+                      <a:pPr>
+                        <a:lnSpc>
+                          <a:spcPct val="107000"/>
+                        </a:lnSpc>
+                        <a:spcAft>
+                          <a:spcPts val="0"/>
+                        </a:spcAft>
+                      </a:pPr>
+                      <a:r>
+                        <a:rPr lang="en-US" sz="1000">
+                          <a:effectLst/>
+                        </a:rPr>
+                        <a:t>Redirect to invalidLogin.jsp</a:t>
+                      </a:r>
+                      <a:endParaRPr lang="en-GB" sz="1000">
+                        <a:effectLst/>
+                        <a:latin typeface="Calibri" panose="020F0502020204030204" pitchFamily="34" charset="0"/>
+                        <a:ea typeface="Calibri" panose="020F0502020204030204" pitchFamily="34" charset="0"/>
+                        <a:cs typeface="Times New Roman" panose="02020603050405020304" pitchFamily="18" charset="0"/>
+                      </a:endParaRPr>
+                    </a:p>
+                  </a:txBody>
+                  <a:tcPr marL="67840" marR="67840" marT="0" marB="0"/>
+                </a:tc>
+                <a:tc>
+                  <a:txBody>
+                    <a:bodyPr/>
+                    <a:lstStyle/>
+                    <a:p>
+                      <a:pPr>
+                        <a:lnSpc>
+                          <a:spcPct val="107000"/>
+                        </a:lnSpc>
+                        <a:spcAft>
+                          <a:spcPts val="0"/>
+                        </a:spcAft>
+                      </a:pPr>
+                      <a:r>
+                        <a:rPr lang="en-US" sz="1000">
+                          <a:effectLst/>
+                        </a:rPr>
+                        <a:t>Redirect to invalidLogin.jsp</a:t>
+                      </a:r>
+                      <a:endParaRPr lang="en-GB" sz="1000">
+                        <a:effectLst/>
+                        <a:latin typeface="Calibri" panose="020F0502020204030204" pitchFamily="34" charset="0"/>
+                        <a:ea typeface="Calibri" panose="020F0502020204030204" pitchFamily="34" charset="0"/>
+                        <a:cs typeface="Times New Roman" panose="02020603050405020304" pitchFamily="18" charset="0"/>
+                      </a:endParaRPr>
+                    </a:p>
+                  </a:txBody>
+                  <a:tcPr marL="67840" marR="67840" marT="0" marB="0"/>
+                </a:tc>
+                <a:tc>
+                  <a:txBody>
+                    <a:bodyPr/>
+                    <a:lstStyle/>
+                    <a:p>
+                      <a:pPr>
+                        <a:lnSpc>
+                          <a:spcPct val="107000"/>
+                        </a:lnSpc>
+                        <a:spcAft>
+                          <a:spcPts val="0"/>
+                        </a:spcAft>
+                      </a:pPr>
+                      <a:r>
+                        <a:rPr lang="en-US" sz="1000">
+                          <a:effectLst/>
+                        </a:rPr>
+                        <a:t>Form correctly checks for case sensitive passwords.</a:t>
+                      </a:r>
+                      <a:endParaRPr lang="en-GB" sz="1000">
+                        <a:effectLst/>
+                        <a:latin typeface="Calibri" panose="020F0502020204030204" pitchFamily="34" charset="0"/>
+                        <a:ea typeface="Calibri" panose="020F0502020204030204" pitchFamily="34" charset="0"/>
+                        <a:cs typeface="Times New Roman" panose="02020603050405020304" pitchFamily="18" charset="0"/>
+                      </a:endParaRPr>
+                    </a:p>
+                  </a:txBody>
+                  <a:tcPr marL="67840" marR="67840" marT="0" marB="0"/>
+                </a:tc>
+                <a:extLst>
+                  <a:ext uri="{0D108BD9-81ED-4DB2-BD59-A6C34878D82A}">
+                    <a16:rowId xmlns:a16="http://schemas.microsoft.com/office/drawing/2014/main" val="211078767"/>
+                  </a:ext>
+                </a:extLst>
+              </a:tr>
+              <a:tr h="654279">
+                <a:tc>
+                  <a:txBody>
+                    <a:bodyPr/>
+                    <a:lstStyle/>
+                    <a:p>
+                      <a:pPr>
+                        <a:lnSpc>
+                          <a:spcPct val="107000"/>
+                        </a:lnSpc>
+                        <a:spcAft>
+                          <a:spcPts val="0"/>
+                        </a:spcAft>
+                      </a:pPr>
+                      <a:r>
+                        <a:rPr lang="en-US" sz="1000">
+                          <a:effectLst/>
+                        </a:rPr>
+                        <a:t>Admin4</a:t>
+                      </a:r>
+                      <a:endParaRPr lang="en-GB" sz="1000">
+                        <a:effectLst/>
+                        <a:latin typeface="Calibri" panose="020F0502020204030204" pitchFamily="34" charset="0"/>
+                        <a:ea typeface="Calibri" panose="020F0502020204030204" pitchFamily="34" charset="0"/>
+                        <a:cs typeface="Times New Roman" panose="02020603050405020304" pitchFamily="18" charset="0"/>
+                      </a:endParaRPr>
+                    </a:p>
+                  </a:txBody>
+                  <a:tcPr marL="67840" marR="67840" marT="0" marB="0"/>
+                </a:tc>
+                <a:tc>
+                  <a:txBody>
+                    <a:bodyPr/>
+                    <a:lstStyle/>
+                    <a:p>
+                      <a:pPr>
+                        <a:lnSpc>
+                          <a:spcPct val="107000"/>
+                        </a:lnSpc>
+                        <a:spcAft>
+                          <a:spcPts val="0"/>
+                        </a:spcAft>
+                      </a:pPr>
+                      <a:r>
+                        <a:rPr lang="en-US" sz="1000">
+                          <a:effectLst/>
+                        </a:rPr>
+                        <a:t>User: ingerk13@yopmail.com, Pass: a234</a:t>
+                      </a:r>
+                      <a:endParaRPr lang="en-GB" sz="1000">
+                        <a:effectLst/>
+                        <a:latin typeface="Calibri" panose="020F0502020204030204" pitchFamily="34" charset="0"/>
+                        <a:ea typeface="Calibri" panose="020F0502020204030204" pitchFamily="34" charset="0"/>
+                        <a:cs typeface="Times New Roman" panose="02020603050405020304" pitchFamily="18" charset="0"/>
+                      </a:endParaRPr>
+                    </a:p>
+                  </a:txBody>
+                  <a:tcPr marL="67840" marR="67840" marT="0" marB="0"/>
+                </a:tc>
+                <a:tc>
+                  <a:txBody>
+                    <a:bodyPr/>
+                    <a:lstStyle/>
+                    <a:p>
+                      <a:pPr>
+                        <a:lnSpc>
+                          <a:spcPct val="107000"/>
+                        </a:lnSpc>
+                        <a:spcAft>
+                          <a:spcPts val="0"/>
+                        </a:spcAft>
+                      </a:pPr>
+                      <a:r>
+                        <a:rPr lang="en-US" sz="1000">
+                          <a:effectLst/>
+                        </a:rPr>
+                        <a:t>Redirect to userLogged.jsp with “Welcome Benjamin Hubert” header.</a:t>
+                      </a:r>
+                      <a:endParaRPr lang="en-GB" sz="1000">
+                        <a:effectLst/>
+                        <a:latin typeface="Calibri" panose="020F0502020204030204" pitchFamily="34" charset="0"/>
+                        <a:ea typeface="Calibri" panose="020F0502020204030204" pitchFamily="34" charset="0"/>
+                        <a:cs typeface="Times New Roman" panose="02020603050405020304" pitchFamily="18" charset="0"/>
+                      </a:endParaRPr>
+                    </a:p>
+                  </a:txBody>
+                  <a:tcPr marL="67840" marR="67840" marT="0" marB="0"/>
+                </a:tc>
+                <a:tc>
+                  <a:txBody>
+                    <a:bodyPr/>
+                    <a:lstStyle/>
+                    <a:p>
+                      <a:pPr>
+                        <a:lnSpc>
+                          <a:spcPct val="107000"/>
+                        </a:lnSpc>
+                        <a:spcAft>
+                          <a:spcPts val="0"/>
+                        </a:spcAft>
+                      </a:pPr>
+                      <a:r>
+                        <a:rPr lang="en-US" sz="1000">
+                          <a:effectLst/>
+                        </a:rPr>
+                        <a:t>Redirect to userLogged.jsp with “Welcome Benjamin Hubert” header.</a:t>
+                      </a:r>
+                      <a:endParaRPr lang="en-GB" sz="1000">
+                        <a:effectLst/>
+                        <a:latin typeface="Calibri" panose="020F0502020204030204" pitchFamily="34" charset="0"/>
+                        <a:ea typeface="Calibri" panose="020F0502020204030204" pitchFamily="34" charset="0"/>
+                        <a:cs typeface="Times New Roman" panose="02020603050405020304" pitchFamily="18" charset="0"/>
+                      </a:endParaRPr>
+                    </a:p>
+                  </a:txBody>
+                  <a:tcPr marL="67840" marR="67840" marT="0" marB="0"/>
+                </a:tc>
+                <a:tc>
+                  <a:txBody>
+                    <a:bodyPr/>
+                    <a:lstStyle/>
+                    <a:p>
+                      <a:pPr>
+                        <a:lnSpc>
+                          <a:spcPct val="107000"/>
+                        </a:lnSpc>
+                        <a:spcAft>
+                          <a:spcPts val="0"/>
+                        </a:spcAft>
+                      </a:pPr>
+                      <a:r>
+                        <a:rPr lang="en-US" sz="1000">
+                          <a:effectLst/>
+                        </a:rPr>
+                        <a:t>Admin user 2 works correctly.</a:t>
+                      </a:r>
+                      <a:endParaRPr lang="en-GB" sz="1000">
+                        <a:effectLst/>
+                        <a:latin typeface="Calibri" panose="020F0502020204030204" pitchFamily="34" charset="0"/>
+                        <a:ea typeface="Calibri" panose="020F0502020204030204" pitchFamily="34" charset="0"/>
+                        <a:cs typeface="Times New Roman" panose="02020603050405020304" pitchFamily="18" charset="0"/>
+                      </a:endParaRPr>
+                    </a:p>
+                  </a:txBody>
+                  <a:tcPr marL="67840" marR="67840" marT="0" marB="0"/>
+                </a:tc>
+                <a:extLst>
+                  <a:ext uri="{0D108BD9-81ED-4DB2-BD59-A6C34878D82A}">
+                    <a16:rowId xmlns:a16="http://schemas.microsoft.com/office/drawing/2014/main" val="3808604731"/>
+                  </a:ext>
+                </a:extLst>
+              </a:tr>
+              <a:tr h="654279">
+                <a:tc>
+                  <a:txBody>
+                    <a:bodyPr/>
+                    <a:lstStyle/>
+                    <a:p>
+                      <a:pPr>
+                        <a:lnSpc>
+                          <a:spcPct val="107000"/>
+                        </a:lnSpc>
+                        <a:spcAft>
+                          <a:spcPts val="0"/>
+                        </a:spcAft>
+                      </a:pPr>
+                      <a:r>
+                        <a:rPr lang="en-US" sz="1000">
+                          <a:effectLst/>
+                        </a:rPr>
+                        <a:t>Admin5</a:t>
+                      </a:r>
+                      <a:endParaRPr lang="en-GB" sz="1000">
+                        <a:effectLst/>
+                        <a:latin typeface="Calibri" panose="020F0502020204030204" pitchFamily="34" charset="0"/>
+                        <a:ea typeface="Calibri" panose="020F0502020204030204" pitchFamily="34" charset="0"/>
+                        <a:cs typeface="Times New Roman" panose="02020603050405020304" pitchFamily="18" charset="0"/>
+                      </a:endParaRPr>
+                    </a:p>
+                  </a:txBody>
+                  <a:tcPr marL="67840" marR="67840" marT="0" marB="0"/>
+                </a:tc>
+                <a:tc>
+                  <a:txBody>
+                    <a:bodyPr/>
+                    <a:lstStyle/>
+                    <a:p>
+                      <a:pPr>
+                        <a:lnSpc>
+                          <a:spcPct val="107000"/>
+                        </a:lnSpc>
+                        <a:spcAft>
+                          <a:spcPts val="0"/>
+                        </a:spcAft>
+                      </a:pPr>
+                      <a:r>
+                        <a:rPr lang="en-US" sz="1000">
+                          <a:effectLst/>
+                        </a:rPr>
+                        <a:t>User: bjebbe9@yopmail.com, Pass: a2345</a:t>
+                      </a:r>
+                      <a:endParaRPr lang="en-GB" sz="1000">
+                        <a:effectLst/>
+                        <a:latin typeface="Calibri" panose="020F0502020204030204" pitchFamily="34" charset="0"/>
+                        <a:ea typeface="Calibri" panose="020F0502020204030204" pitchFamily="34" charset="0"/>
+                        <a:cs typeface="Times New Roman" panose="02020603050405020304" pitchFamily="18" charset="0"/>
+                      </a:endParaRPr>
+                    </a:p>
+                  </a:txBody>
+                  <a:tcPr marL="67840" marR="67840" marT="0" marB="0"/>
+                </a:tc>
+                <a:tc>
+                  <a:txBody>
+                    <a:bodyPr/>
+                    <a:lstStyle/>
+                    <a:p>
+                      <a:pPr>
+                        <a:lnSpc>
+                          <a:spcPct val="107000"/>
+                        </a:lnSpc>
+                        <a:spcAft>
+                          <a:spcPts val="0"/>
+                        </a:spcAft>
+                      </a:pPr>
+                      <a:r>
+                        <a:rPr lang="en-US" sz="1000">
+                          <a:effectLst/>
+                        </a:rPr>
+                        <a:t>Redirect to userLogged.jsp with “Welcome Ebbe Streme” header.</a:t>
+                      </a:r>
+                      <a:endParaRPr lang="en-GB" sz="1000">
+                        <a:effectLst/>
+                        <a:latin typeface="Calibri" panose="020F0502020204030204" pitchFamily="34" charset="0"/>
+                        <a:ea typeface="Calibri" panose="020F0502020204030204" pitchFamily="34" charset="0"/>
+                        <a:cs typeface="Times New Roman" panose="02020603050405020304" pitchFamily="18" charset="0"/>
+                      </a:endParaRPr>
+                    </a:p>
+                  </a:txBody>
+                  <a:tcPr marL="67840" marR="67840" marT="0" marB="0"/>
+                </a:tc>
+                <a:tc>
+                  <a:txBody>
+                    <a:bodyPr/>
+                    <a:lstStyle/>
+                    <a:p>
+                      <a:pPr>
+                        <a:lnSpc>
+                          <a:spcPct val="107000"/>
+                        </a:lnSpc>
+                        <a:spcAft>
+                          <a:spcPts val="0"/>
+                        </a:spcAft>
+                      </a:pPr>
+                      <a:r>
+                        <a:rPr lang="en-US" sz="1000">
+                          <a:effectLst/>
+                        </a:rPr>
+                        <a:t>Redirect to userLogged.jsp with “Welcome Ebbe Streme” header.</a:t>
+                      </a:r>
+                      <a:endParaRPr lang="en-GB" sz="1000">
+                        <a:effectLst/>
+                        <a:latin typeface="Calibri" panose="020F0502020204030204" pitchFamily="34" charset="0"/>
+                        <a:ea typeface="Calibri" panose="020F0502020204030204" pitchFamily="34" charset="0"/>
+                        <a:cs typeface="Times New Roman" panose="02020603050405020304" pitchFamily="18" charset="0"/>
+                      </a:endParaRPr>
+                    </a:p>
+                  </a:txBody>
+                  <a:tcPr marL="67840" marR="67840" marT="0" marB="0"/>
+                </a:tc>
+                <a:tc>
+                  <a:txBody>
+                    <a:bodyPr/>
+                    <a:lstStyle/>
+                    <a:p>
+                      <a:pPr>
+                        <a:lnSpc>
+                          <a:spcPct val="107000"/>
+                        </a:lnSpc>
+                        <a:spcAft>
+                          <a:spcPts val="0"/>
+                        </a:spcAft>
+                      </a:pPr>
+                      <a:r>
+                        <a:rPr lang="en-US" sz="1000">
+                          <a:effectLst/>
+                        </a:rPr>
+                        <a:t>Admin user 3 works correctly.</a:t>
+                      </a:r>
+                      <a:endParaRPr lang="en-GB" sz="1000">
+                        <a:effectLst/>
+                        <a:latin typeface="Calibri" panose="020F0502020204030204" pitchFamily="34" charset="0"/>
+                        <a:ea typeface="Calibri" panose="020F0502020204030204" pitchFamily="34" charset="0"/>
+                        <a:cs typeface="Times New Roman" panose="02020603050405020304" pitchFamily="18" charset="0"/>
+                      </a:endParaRPr>
+                    </a:p>
+                  </a:txBody>
+                  <a:tcPr marL="67840" marR="67840" marT="0" marB="0"/>
+                </a:tc>
+                <a:extLst>
+                  <a:ext uri="{0D108BD9-81ED-4DB2-BD59-A6C34878D82A}">
+                    <a16:rowId xmlns:a16="http://schemas.microsoft.com/office/drawing/2014/main" val="377236368"/>
+                  </a:ext>
+                </a:extLst>
+              </a:tr>
+              <a:tr h="819975">
+                <a:tc>
+                  <a:txBody>
+                    <a:bodyPr/>
+                    <a:lstStyle/>
+                    <a:p>
+                      <a:pPr>
+                        <a:lnSpc>
+                          <a:spcPct val="107000"/>
+                        </a:lnSpc>
+                        <a:spcAft>
+                          <a:spcPts val="0"/>
+                        </a:spcAft>
+                      </a:pPr>
+                      <a:r>
+                        <a:rPr lang="en-US" sz="1000">
+                          <a:effectLst/>
+                        </a:rPr>
+                        <a:t>Admin6</a:t>
+                      </a:r>
+                      <a:endParaRPr lang="en-GB" sz="1000">
+                        <a:effectLst/>
+                        <a:latin typeface="Calibri" panose="020F0502020204030204" pitchFamily="34" charset="0"/>
+                        <a:ea typeface="Calibri" panose="020F0502020204030204" pitchFamily="34" charset="0"/>
+                        <a:cs typeface="Times New Roman" panose="02020603050405020304" pitchFamily="18" charset="0"/>
+                      </a:endParaRPr>
+                    </a:p>
+                  </a:txBody>
+                  <a:tcPr marL="67840" marR="67840" marT="0" marB="0"/>
+                </a:tc>
+                <a:tc>
+                  <a:txBody>
+                    <a:bodyPr/>
+                    <a:lstStyle/>
+                    <a:p>
+                      <a:pPr>
+                        <a:lnSpc>
+                          <a:spcPct val="107000"/>
+                        </a:lnSpc>
+                        <a:spcAft>
+                          <a:spcPts val="0"/>
+                        </a:spcAft>
+                      </a:pPr>
+                      <a:r>
+                        <a:rPr lang="en-US" sz="1000">
+                          <a:effectLst/>
+                        </a:rPr>
+                        <a:t>User: bjebbe9@yopmail.com, Pass: a123</a:t>
+                      </a:r>
+                      <a:endParaRPr lang="en-GB" sz="1000">
+                        <a:effectLst/>
+                        <a:latin typeface="Calibri" panose="020F0502020204030204" pitchFamily="34" charset="0"/>
+                        <a:ea typeface="Calibri" panose="020F0502020204030204" pitchFamily="34" charset="0"/>
+                        <a:cs typeface="Times New Roman" panose="02020603050405020304" pitchFamily="18" charset="0"/>
+                      </a:endParaRPr>
+                    </a:p>
+                  </a:txBody>
+                  <a:tcPr marL="67840" marR="67840" marT="0" marB="0"/>
+                </a:tc>
+                <a:tc>
+                  <a:txBody>
+                    <a:bodyPr/>
+                    <a:lstStyle/>
+                    <a:p>
+                      <a:pPr>
+                        <a:lnSpc>
+                          <a:spcPct val="107000"/>
+                        </a:lnSpc>
+                        <a:spcAft>
+                          <a:spcPts val="0"/>
+                        </a:spcAft>
+                      </a:pPr>
+                      <a:r>
+                        <a:rPr lang="en-US" sz="1000">
+                          <a:effectLst/>
+                        </a:rPr>
+                        <a:t>Redirect to invalidLogin.jsp</a:t>
+                      </a:r>
+                      <a:endParaRPr lang="en-GB" sz="1000">
+                        <a:effectLst/>
+                        <a:latin typeface="Calibri" panose="020F0502020204030204" pitchFamily="34" charset="0"/>
+                        <a:ea typeface="Calibri" panose="020F0502020204030204" pitchFamily="34" charset="0"/>
+                        <a:cs typeface="Times New Roman" panose="02020603050405020304" pitchFamily="18" charset="0"/>
+                      </a:endParaRPr>
+                    </a:p>
+                  </a:txBody>
+                  <a:tcPr marL="67840" marR="67840" marT="0" marB="0"/>
+                </a:tc>
+                <a:tc>
+                  <a:txBody>
+                    <a:bodyPr/>
+                    <a:lstStyle/>
+                    <a:p>
+                      <a:pPr>
+                        <a:lnSpc>
+                          <a:spcPct val="107000"/>
+                        </a:lnSpc>
+                        <a:spcAft>
+                          <a:spcPts val="0"/>
+                        </a:spcAft>
+                      </a:pPr>
+                      <a:r>
+                        <a:rPr lang="en-US" sz="1000">
+                          <a:effectLst/>
+                        </a:rPr>
+                        <a:t>Redirect to invalidLogin.jsp</a:t>
+                      </a:r>
+                      <a:endParaRPr lang="en-GB" sz="1000">
+                        <a:effectLst/>
+                        <a:latin typeface="Calibri" panose="020F0502020204030204" pitchFamily="34" charset="0"/>
+                        <a:ea typeface="Calibri" panose="020F0502020204030204" pitchFamily="34" charset="0"/>
+                        <a:cs typeface="Times New Roman" panose="02020603050405020304" pitchFamily="18" charset="0"/>
+                      </a:endParaRPr>
+                    </a:p>
+                  </a:txBody>
+                  <a:tcPr marL="67840" marR="67840" marT="0" marB="0"/>
+                </a:tc>
+                <a:tc>
+                  <a:txBody>
+                    <a:bodyPr/>
+                    <a:lstStyle/>
+                    <a:p>
+                      <a:pPr>
+                        <a:lnSpc>
+                          <a:spcPct val="107000"/>
+                        </a:lnSpc>
+                        <a:spcAft>
+                          <a:spcPts val="0"/>
+                        </a:spcAft>
+                      </a:pPr>
+                      <a:r>
+                        <a:rPr lang="en-US" sz="1000" dirty="0">
+                          <a:effectLst/>
+                        </a:rPr>
+                        <a:t>Form is correctly matching passwords to usernames, cannot mix and match admin user/pass.</a:t>
+                      </a:r>
+                      <a:endParaRPr lang="en-GB" sz="1000" dirty="0">
+                        <a:effectLst/>
+                        <a:latin typeface="Calibri" panose="020F0502020204030204" pitchFamily="34" charset="0"/>
+                        <a:ea typeface="Calibri" panose="020F0502020204030204" pitchFamily="34" charset="0"/>
+                        <a:cs typeface="Times New Roman" panose="02020603050405020304" pitchFamily="18" charset="0"/>
+                      </a:endParaRPr>
+                    </a:p>
+                  </a:txBody>
+                  <a:tcPr marL="67840" marR="67840" marT="0" marB="0"/>
+                </a:tc>
+                <a:extLst>
+                  <a:ext uri="{0D108BD9-81ED-4DB2-BD59-A6C34878D82A}">
+                    <a16:rowId xmlns:a16="http://schemas.microsoft.com/office/drawing/2014/main" val="3753789331"/>
+                  </a:ext>
+                </a:extLst>
+              </a:tr>
+            </a:tbl>
+          </a:graphicData>
+        </a:graphic>
+      </p:graphicFrame>
     </p:spTree>
     <p:extLst>
       <p:ext uri="{BB962C8B-B14F-4D97-AF65-F5344CB8AC3E}">
-        <p14:creationId xmlns:p14="http://schemas.microsoft.com/office/powerpoint/2010/main" val="2622004812"/>
+        <p14:creationId xmlns:p14="http://schemas.microsoft.com/office/powerpoint/2010/main" val="1188694181"/>
       </p:ext>
     </p:extLst>
   </p:cSld>
@@ -23704,10 +24820,10 @@
   <a:themeElements>
     <a:clrScheme name="Ion Boardroom">
       <a:dk1>
-        <a:sysClr val="windowText" lastClr="000000"/>
+        <a:sysClr val="windowText" lastClr="454545"/>
       </a:dk1>
       <a:lt1>
-        <a:sysClr val="window" lastClr="FFFFFF"/>
+        <a:sysClr val="window" lastClr="FAFAFA"/>
       </a:lt1>
       <a:dk2>
         <a:srgbClr val="0E5580"/>
